--- a/폰트 수정용 ppt.pptx
+++ b/폰트 수정용 ppt.pptx
@@ -6,6 +6,7 @@
   </p:sldMasterIdLst>
   <p:sldIdLst>
     <p:sldId id="256" r:id="rId2"/>
+    <p:sldId id="257" r:id="rId3"/>
   </p:sldIdLst>
   <p:sldSz cx="12192000" cy="6858000"/>
   <p:notesSz cx="6858000" cy="9144000"/>
@@ -104,6 +105,11 @@
       </a:defRPr>
     </a:lvl9pPr>
   </p:defaultTextStyle>
+  <p:extLst>
+    <p:ext uri="{EFAFB233-063F-42B5-8137-9DF3F51BA10A}">
+      <p15:sldGuideLst xmlns:p15="http://schemas.microsoft.com/office/powerpoint/2012/main"/>
+    </p:ext>
+  </p:extLst>
 </p:presentation>
 </file>
 
@@ -3339,7 +3345,7 @@
         </p:nvSpPr>
         <p:spPr>
           <a:xfrm>
-            <a:off x="1282700" y="822326"/>
+            <a:off x="578025" y="419655"/>
             <a:ext cx="9144000" cy="2387600"/>
           </a:xfrm>
         </p:spPr>
@@ -3357,8 +3363,15 @@
             <a:r>
               <a:rPr lang="en-US" altLang="ko-KR" b="1" dirty="0">
                 <a:solidFill>
-                  <a:srgbClr val="E06F0A"/>
+                  <a:srgbClr val="002060"/>
                 </a:solidFill>
+                <a:effectLst>
+                  <a:outerShdw blurRad="38100" dist="38100" dir="2700000" algn="tl">
+                    <a:srgbClr val="000000">
+                      <a:alpha val="43137"/>
+                    </a:srgbClr>
+                  </a:outerShdw>
+                </a:effectLst>
                 <a:latin typeface="Calibri" panose="020F0502020204030204" pitchFamily="34" charset="0"/>
                 <a:cs typeface="Calibri" panose="020F0502020204030204" pitchFamily="34" charset="0"/>
               </a:rPr>
@@ -3367,8 +3380,15 @@
             <a:r>
               <a:rPr lang="ko-KR" altLang="en-US" b="1" dirty="0">
                 <a:solidFill>
-                  <a:srgbClr val="E06F0A"/>
+                  <a:srgbClr val="002060"/>
                 </a:solidFill>
+                <a:effectLst>
+                  <a:outerShdw blurRad="38100" dist="38100" dir="2700000" algn="tl">
+                    <a:srgbClr val="000000">
+                      <a:alpha val="43137"/>
+                    </a:srgbClr>
+                  </a:outerShdw>
+                </a:effectLst>
                 <a:latin typeface="Calibri" panose="020F0502020204030204" pitchFamily="34" charset="0"/>
                 <a:cs typeface="Calibri" panose="020F0502020204030204" pitchFamily="34" charset="0"/>
               </a:rPr>
@@ -3377,8 +3397,15 @@
             <a:r>
               <a:rPr lang="en-US" altLang="ko-KR" b="1" dirty="0">
                 <a:solidFill>
-                  <a:srgbClr val="E06F0A"/>
+                  <a:srgbClr val="002060"/>
                 </a:solidFill>
+                <a:effectLst>
+                  <a:outerShdw blurRad="38100" dist="38100" dir="2700000" algn="tl">
+                    <a:srgbClr val="000000">
+                      <a:alpha val="43137"/>
+                    </a:srgbClr>
+                  </a:outerShdw>
+                </a:effectLst>
                 <a:latin typeface="Calibri" panose="020F0502020204030204" pitchFamily="34" charset="0"/>
                 <a:cs typeface="Calibri" panose="020F0502020204030204" pitchFamily="34" charset="0"/>
               </a:rPr>
@@ -3386,6 +3413,13 @@
             </a:r>
             <a:br>
               <a:rPr lang="en-US" altLang="ko-KR" b="1" dirty="0">
+                <a:effectLst>
+                  <a:outerShdw blurRad="38100" dist="38100" dir="2700000" algn="tl">
+                    <a:srgbClr val="000000">
+                      <a:alpha val="43137"/>
+                    </a:srgbClr>
+                  </a:outerShdw>
+                </a:effectLst>
                 <a:latin typeface="Calibri" panose="020F0502020204030204" pitchFamily="34" charset="0"/>
                 <a:cs typeface="Calibri" panose="020F0502020204030204" pitchFamily="34" charset="0"/>
               </a:rPr>
@@ -3393,8 +3427,15 @@
             <a:r>
               <a:rPr lang="en-US" altLang="ko-KR" sz="2200" b="1" dirty="0">
                 <a:solidFill>
-                  <a:srgbClr val="507BAE"/>
+                  <a:srgbClr val="C00000"/>
                 </a:solidFill>
+                <a:effectLst>
+                  <a:outerShdw blurRad="38100" dist="38100" dir="2700000" algn="tl">
+                    <a:srgbClr val="000000">
+                      <a:alpha val="43137"/>
+                    </a:srgbClr>
+                  </a:outerShdw>
+                </a:effectLst>
                 <a:latin typeface="Calibri" panose="020F0502020204030204" pitchFamily="34" charset="0"/>
                 <a:cs typeface="Calibri" panose="020F0502020204030204" pitchFamily="34" charset="0"/>
               </a:rPr>
@@ -3403,8 +3444,15 @@
             <a:r>
               <a:rPr lang="ko-KR" altLang="en-US" sz="2200" b="1" dirty="0">
                 <a:solidFill>
-                  <a:srgbClr val="507BAE"/>
+                  <a:srgbClr val="C00000"/>
                 </a:solidFill>
+                <a:effectLst>
+                  <a:outerShdw blurRad="38100" dist="38100" dir="2700000" algn="tl">
+                    <a:srgbClr val="000000">
+                      <a:alpha val="43137"/>
+                    </a:srgbClr>
+                  </a:outerShdw>
+                </a:effectLst>
                 <a:latin typeface="Calibri" panose="020F0502020204030204" pitchFamily="34" charset="0"/>
                 <a:cs typeface="Calibri" panose="020F0502020204030204" pitchFamily="34" charset="0"/>
               </a:rPr>
@@ -3413,8 +3461,15 @@
             <a:r>
               <a:rPr lang="en-US" altLang="ko-KR" sz="2200" b="1" dirty="0">
                 <a:solidFill>
-                  <a:srgbClr val="507BAE"/>
+                  <a:srgbClr val="C00000"/>
                 </a:solidFill>
+                <a:effectLst>
+                  <a:outerShdw blurRad="38100" dist="38100" dir="2700000" algn="tl">
+                    <a:srgbClr val="000000">
+                      <a:alpha val="43137"/>
+                    </a:srgbClr>
+                  </a:outerShdw>
+                </a:effectLst>
                 <a:latin typeface="Calibri" panose="020F0502020204030204" pitchFamily="34" charset="0"/>
                 <a:cs typeface="Calibri" panose="020F0502020204030204" pitchFamily="34" charset="0"/>
               </a:rPr>
@@ -3422,8 +3477,15 @@
             </a:r>
             <a:endParaRPr lang="ko-KR" altLang="en-US" sz="2200" b="1" dirty="0">
               <a:solidFill>
-                <a:srgbClr val="507BAE"/>
+                <a:srgbClr val="C00000"/>
               </a:solidFill>
+              <a:effectLst>
+                <a:outerShdw blurRad="38100" dist="38100" dir="2700000" algn="tl">
+                  <a:srgbClr val="000000">
+                    <a:alpha val="43137"/>
+                  </a:srgbClr>
+                </a:outerShdw>
+              </a:effectLst>
               <a:latin typeface="Calibri" panose="020F0502020204030204" pitchFamily="34" charset="0"/>
               <a:cs typeface="Calibri" panose="020F0502020204030204" pitchFamily="34" charset="0"/>
             </a:endParaRPr>
@@ -3432,10 +3494,42 @@
       </p:sp>
       <p:sp>
         <p:nvSpPr>
-          <p:cNvPr id="5" name="제목 1">
-            <a:extLst>
-              <a:ext uri="{FF2B5EF4-FFF2-40B4-BE49-F238E27FC236}">
-                <a16:creationId xmlns:a16="http://schemas.microsoft.com/office/drawing/2014/main" id="{ECC68C7B-1101-4ED9-988B-F20993BDCD88}"/>
+          <p:cNvPr id="3" name="TextBox 2">
+            <a:extLst>
+              <a:ext uri="{FF2B5EF4-FFF2-40B4-BE49-F238E27FC236}">
+                <a16:creationId xmlns:a16="http://schemas.microsoft.com/office/drawing/2014/main" id="{BEE4068D-DAC8-444B-94A2-01AD366761EE}"/>
+              </a:ext>
+            </a:extLst>
+          </p:cNvPr>
+          <p:cNvSpPr txBox="1"/>
+          <p:nvPr/>
+        </p:nvSpPr>
+        <p:spPr>
+          <a:xfrm>
+            <a:off x="3858936" y="3429000"/>
+            <a:ext cx="1996580" cy="807440"/>
+          </a:xfrm>
+          <a:prstGeom prst="rect">
+            <a:avLst/>
+          </a:prstGeom>
+          <a:noFill/>
+        </p:spPr>
+        <p:txBody>
+          <a:bodyPr wrap="square" rtlCol="0">
+            <a:spAutoFit/>
+          </a:bodyPr>
+          <a:lstStyle/>
+          <a:p>
+            <a:endParaRPr lang="ko-KR" altLang="en-US" dirty="0"/>
+          </a:p>
+        </p:txBody>
+      </p:sp>
+      <p:sp>
+        <p:nvSpPr>
+          <p:cNvPr id="6" name="제목 1">
+            <a:extLst>
+              <a:ext uri="{FF2B5EF4-FFF2-40B4-BE49-F238E27FC236}">
+                <a16:creationId xmlns:a16="http://schemas.microsoft.com/office/drawing/2014/main" id="{DC0D5851-FA91-48FE-A01C-44440B160FAB}"/>
               </a:ext>
             </a:extLst>
           </p:cNvPr>
@@ -3446,8 +3540,8 @@
         </p:nvSpPr>
         <p:spPr>
           <a:xfrm>
-            <a:off x="1435100" y="3128963"/>
-            <a:ext cx="9144000" cy="2387600"/>
+            <a:off x="578025" y="3097046"/>
+            <a:ext cx="9144000" cy="1338817"/>
           </a:xfrm>
           <a:prstGeom prst="rect">
             <a:avLst/>
@@ -3485,8 +3579,176 @@
             <a:r>
               <a:rPr lang="en-US" altLang="ko-KR" b="1" dirty="0">
                 <a:solidFill>
-                  <a:srgbClr val="E06F0A"/>
+                  <a:srgbClr val="002060"/>
                 </a:solidFill>
+                <a:effectLst>
+                  <a:outerShdw blurRad="38100" dist="38100" dir="2700000" algn="tl">
+                    <a:srgbClr val="000000">
+                      <a:alpha val="43137"/>
+                    </a:srgbClr>
+                  </a:outerShdw>
+                </a:effectLst>
+                <a:latin typeface="Calibri" panose="020F0502020204030204" pitchFamily="34" charset="0"/>
+                <a:cs typeface="Calibri" panose="020F0502020204030204" pitchFamily="34" charset="0"/>
+              </a:rPr>
+              <a:t>Publication</a:t>
+            </a:r>
+            <a:br>
+              <a:rPr lang="en-US" altLang="ko-KR" b="1" dirty="0">
+                <a:effectLst>
+                  <a:outerShdw blurRad="38100" dist="38100" dir="2700000" algn="tl">
+                    <a:srgbClr val="000000">
+                      <a:alpha val="43137"/>
+                    </a:srgbClr>
+                  </a:outerShdw>
+                </a:effectLst>
+                <a:latin typeface="Calibri" panose="020F0502020204030204" pitchFamily="34" charset="0"/>
+                <a:cs typeface="Calibri" panose="020F0502020204030204" pitchFamily="34" charset="0"/>
+              </a:rPr>
+            </a:br>
+            <a:r>
+              <a:rPr lang="en-US" altLang="ko-KR" sz="2200" b="1" dirty="0">
+                <a:solidFill>
+                  <a:srgbClr val="C00000"/>
+                </a:solidFill>
+                <a:effectLst>
+                  <a:outerShdw blurRad="38100" dist="38100" dir="2700000" algn="tl">
+                    <a:srgbClr val="000000">
+                      <a:alpha val="43137"/>
+                    </a:srgbClr>
+                  </a:outerShdw>
+                </a:effectLst>
+                <a:latin typeface="Calibri" panose="020F0502020204030204" pitchFamily="34" charset="0"/>
+                <a:cs typeface="Calibri" panose="020F0502020204030204" pitchFamily="34" charset="0"/>
+              </a:rPr>
+              <a:t>IMPRESS:</a:t>
+            </a:r>
+            <a:r>
+              <a:rPr lang="ko-KR" altLang="en-US" sz="2200" b="1" dirty="0">
+                <a:solidFill>
+                  <a:srgbClr val="C00000"/>
+                </a:solidFill>
+                <a:effectLst>
+                  <a:outerShdw blurRad="38100" dist="38100" dir="2700000" algn="tl">
+                    <a:srgbClr val="000000">
+                      <a:alpha val="43137"/>
+                    </a:srgbClr>
+                  </a:outerShdw>
+                </a:effectLst>
+                <a:latin typeface="Calibri" panose="020F0502020204030204" pitchFamily="34" charset="0"/>
+                <a:cs typeface="Calibri" panose="020F0502020204030204" pitchFamily="34" charset="0"/>
+              </a:rPr>
+              <a:t> </a:t>
+            </a:r>
+            <a:r>
+              <a:rPr lang="en-US" altLang="ko-KR" sz="2200" b="1" dirty="0">
+                <a:solidFill>
+                  <a:srgbClr val="C00000"/>
+                </a:solidFill>
+                <a:effectLst>
+                  <a:outerShdw blurRad="38100" dist="38100" dir="2700000" algn="tl">
+                    <a:srgbClr val="000000">
+                      <a:alpha val="43137"/>
+                    </a:srgbClr>
+                  </a:outerShdw>
+                </a:effectLst>
+                <a:latin typeface="Calibri" panose="020F0502020204030204" pitchFamily="34" charset="0"/>
+                <a:cs typeface="Calibri" panose="020F0502020204030204" pitchFamily="34" charset="0"/>
+              </a:rPr>
+              <a:t>Intelligent Multimedia PRocESSing</a:t>
+            </a:r>
+            <a:endParaRPr lang="ko-KR" altLang="en-US" sz="2200" b="1" dirty="0">
+              <a:solidFill>
+                <a:srgbClr val="C00000"/>
+              </a:solidFill>
+              <a:effectLst>
+                <a:outerShdw blurRad="38100" dist="38100" dir="2700000" algn="tl">
+                  <a:srgbClr val="000000">
+                    <a:alpha val="43137"/>
+                  </a:srgbClr>
+                </a:outerShdw>
+              </a:effectLst>
+              <a:latin typeface="Calibri" panose="020F0502020204030204" pitchFamily="34" charset="0"/>
+              <a:cs typeface="Calibri" panose="020F0502020204030204" pitchFamily="34" charset="0"/>
+            </a:endParaRPr>
+          </a:p>
+        </p:txBody>
+      </p:sp>
+    </p:spTree>
+    <p:extLst>
+      <p:ext uri="{BB962C8B-B14F-4D97-AF65-F5344CB8AC3E}">
+        <p14:creationId xmlns:p14="http://schemas.microsoft.com/office/powerpoint/2010/main" val="4257707924"/>
+      </p:ext>
+    </p:extLst>
+  </p:cSld>
+  <p:clrMapOvr>
+    <a:masterClrMapping/>
+  </p:clrMapOvr>
+</p:sld>
+</file>
+
+<file path=ppt/slides/slide2.xml><?xml version="1.0" encoding="utf-8"?>
+<p:sld xmlns:a="http://schemas.openxmlformats.org/drawingml/2006/main" xmlns:r="http://schemas.openxmlformats.org/officeDocument/2006/relationships" xmlns:p="http://schemas.openxmlformats.org/presentationml/2006/main">
+  <p:cSld>
+    <p:spTree>
+      <p:nvGrpSpPr>
+        <p:cNvPr id="1" name=""/>
+        <p:cNvGrpSpPr/>
+        <p:nvPr/>
+      </p:nvGrpSpPr>
+      <p:grpSpPr>
+        <a:xfrm>
+          <a:off x="0" y="0"/>
+          <a:ext cx="0" cy="0"/>
+          <a:chOff x="0" y="0"/>
+          <a:chExt cx="0" cy="0"/>
+        </a:xfrm>
+      </p:grpSpPr>
+      <p:sp>
+        <p:nvSpPr>
+          <p:cNvPr id="2" name="제목 1">
+            <a:extLst>
+              <a:ext uri="{FF2B5EF4-FFF2-40B4-BE49-F238E27FC236}">
+                <a16:creationId xmlns:a16="http://schemas.microsoft.com/office/drawing/2014/main" id="{1F7D86AA-CA90-45BF-88B0-68CE469413AD}"/>
+              </a:ext>
+            </a:extLst>
+          </p:cNvPr>
+          <p:cNvSpPr>
+            <a:spLocks noGrp="1"/>
+          </p:cNvSpPr>
+          <p:nvPr>
+            <p:ph type="ctrTitle"/>
+          </p:nvPr>
+        </p:nvSpPr>
+        <p:spPr>
+          <a:xfrm>
+            <a:off x="481773" y="201110"/>
+            <a:ext cx="9144000" cy="1338817"/>
+          </a:xfrm>
+        </p:spPr>
+        <p:txBody>
+          <a:bodyPr>
+            <a:normAutofit/>
+          </a:bodyPr>
+          <a:lstStyle/>
+          <a:p>
+            <a:pPr algn="l">
+              <a:lnSpc>
+                <a:spcPct val="70000"/>
+              </a:lnSpc>
+            </a:pPr>
+            <a:r>
+              <a:rPr lang="en-US" altLang="ko-KR" b="1" dirty="0">
+                <a:solidFill>
+                  <a:srgbClr val="002060"/>
+                </a:solidFill>
+                <a:effectLst>
+                  <a:outerShdw blurRad="38100" dist="38100" dir="2700000" algn="tl">
+                    <a:srgbClr val="000000">
+                      <a:alpha val="43137"/>
+                    </a:srgbClr>
+                  </a:outerShdw>
+                </a:effectLst>
                 <a:latin typeface="Calibri" panose="020F0502020204030204" pitchFamily="34" charset="0"/>
                 <a:cs typeface="Calibri" panose="020F0502020204030204" pitchFamily="34" charset="0"/>
               </a:rPr>
@@ -3494,6 +3756,13 @@
             </a:r>
             <a:br>
               <a:rPr lang="en-US" altLang="ko-KR" b="1" dirty="0">
+                <a:effectLst>
+                  <a:outerShdw blurRad="38100" dist="38100" dir="2700000" algn="tl">
+                    <a:srgbClr val="000000">
+                      <a:alpha val="43137"/>
+                    </a:srgbClr>
+                  </a:outerShdw>
+                </a:effectLst>
                 <a:latin typeface="Calibri" panose="020F0502020204030204" pitchFamily="34" charset="0"/>
                 <a:cs typeface="Calibri" panose="020F0502020204030204" pitchFamily="34" charset="0"/>
               </a:rPr>
@@ -3501,8 +3770,15 @@
             <a:r>
               <a:rPr lang="en-US" altLang="ko-KR" sz="2200" b="1" dirty="0">
                 <a:solidFill>
-                  <a:srgbClr val="4B90D6"/>
+                  <a:srgbClr val="C00000"/>
                 </a:solidFill>
+                <a:effectLst>
+                  <a:outerShdw blurRad="38100" dist="38100" dir="2700000" algn="tl">
+                    <a:srgbClr val="000000">
+                      <a:alpha val="43137"/>
+                    </a:srgbClr>
+                  </a:outerShdw>
+                </a:effectLst>
                 <a:latin typeface="Calibri" panose="020F0502020204030204" pitchFamily="34" charset="0"/>
                 <a:cs typeface="Calibri" panose="020F0502020204030204" pitchFamily="34" charset="0"/>
               </a:rPr>
@@ -3511,8 +3787,15 @@
             <a:r>
               <a:rPr lang="ko-KR" altLang="en-US" sz="2200" b="1" dirty="0">
                 <a:solidFill>
-                  <a:srgbClr val="4B90D6"/>
+                  <a:srgbClr val="C00000"/>
                 </a:solidFill>
+                <a:effectLst>
+                  <a:outerShdw blurRad="38100" dist="38100" dir="2700000" algn="tl">
+                    <a:srgbClr val="000000">
+                      <a:alpha val="43137"/>
+                    </a:srgbClr>
+                  </a:outerShdw>
+                </a:effectLst>
                 <a:latin typeface="Calibri" panose="020F0502020204030204" pitchFamily="34" charset="0"/>
                 <a:cs typeface="Calibri" panose="020F0502020204030204" pitchFamily="34" charset="0"/>
               </a:rPr>
@@ -3521,8 +3804,15 @@
             <a:r>
               <a:rPr lang="en-US" altLang="ko-KR" sz="2200" b="1" dirty="0">
                 <a:solidFill>
-                  <a:srgbClr val="4B90D6"/>
+                  <a:srgbClr val="C00000"/>
                 </a:solidFill>
+                <a:effectLst>
+                  <a:outerShdw blurRad="38100" dist="38100" dir="2700000" algn="tl">
+                    <a:srgbClr val="000000">
+                      <a:alpha val="43137"/>
+                    </a:srgbClr>
+                  </a:outerShdw>
+                </a:effectLst>
                 <a:latin typeface="Calibri" panose="020F0502020204030204" pitchFamily="34" charset="0"/>
                 <a:cs typeface="Calibri" panose="020F0502020204030204" pitchFamily="34" charset="0"/>
               </a:rPr>
@@ -3530,65 +3820,541 @@
             </a:r>
             <a:endParaRPr lang="ko-KR" altLang="en-US" sz="2200" b="1" dirty="0">
               <a:solidFill>
-                <a:srgbClr val="4B90D6"/>
+                <a:srgbClr val="C00000"/>
               </a:solidFill>
+              <a:effectLst>
+                <a:outerShdw blurRad="38100" dist="38100" dir="2700000" algn="tl">
+                  <a:srgbClr val="000000">
+                    <a:alpha val="43137"/>
+                  </a:srgbClr>
+                </a:outerShdw>
+              </a:effectLst>
               <a:latin typeface="Calibri" panose="020F0502020204030204" pitchFamily="34" charset="0"/>
               <a:cs typeface="Calibri" panose="020F0502020204030204" pitchFamily="34" charset="0"/>
             </a:endParaRPr>
           </a:p>
         </p:txBody>
       </p:sp>
-      <p:pic>
-        <p:nvPicPr>
-          <p:cNvPr id="1028" name="Picture 4" descr="C:\Users\IMPRESS\Desktop\impressweb\img\people\people.jpg">
-            <a:extLst>
-              <a:ext uri="{FF2B5EF4-FFF2-40B4-BE49-F238E27FC236}">
-                <a16:creationId xmlns:a16="http://schemas.microsoft.com/office/drawing/2014/main" id="{C5730E5A-12CD-4A8D-8D93-E94554906E9E}"/>
-              </a:ext>
-            </a:extLst>
-          </p:cNvPr>
-          <p:cNvPicPr>
-            <a:picLocks noChangeAspect="1" noChangeArrowheads="1"/>
-          </p:cNvPicPr>
+      <p:sp>
+        <p:nvSpPr>
+          <p:cNvPr id="3" name="TextBox 2">
+            <a:extLst>
+              <a:ext uri="{FF2B5EF4-FFF2-40B4-BE49-F238E27FC236}">
+                <a16:creationId xmlns:a16="http://schemas.microsoft.com/office/drawing/2014/main" id="{BEE4068D-DAC8-444B-94A2-01AD366761EE}"/>
+              </a:ext>
+            </a:extLst>
+          </p:cNvPr>
+          <p:cNvSpPr txBox="1"/>
           <p:nvPr/>
-        </p:nvPicPr>
-        <p:blipFill>
-          <a:blip r:embed="rId2">
-            <a:extLst>
-              <a:ext uri="{28A0092B-C50C-407E-A947-70E740481C1C}">
-                <a14:useLocalDpi xmlns:a14="http://schemas.microsoft.com/office/drawing/2010/main" val="0"/>
-              </a:ext>
-            </a:extLst>
-          </a:blip>
-          <a:srcRect/>
-          <a:stretch>
-            <a:fillRect/>
-          </a:stretch>
-        </p:blipFill>
-        <p:spPr bwMode="auto">
+        </p:nvSpPr>
+        <p:spPr>
           <a:xfrm>
-            <a:off x="6927850" y="725488"/>
-            <a:ext cx="4152900" cy="742950"/>
+            <a:off x="3858936" y="3429000"/>
+            <a:ext cx="1996580" cy="807440"/>
           </a:xfrm>
           <a:prstGeom prst="rect">
             <a:avLst/>
           </a:prstGeom>
           <a:noFill/>
-          <a:extLst>
-            <a:ext uri="{909E8E84-426E-40DD-AFC4-6F175D3DCCD1}">
-              <a14:hiddenFill xmlns:a14="http://schemas.microsoft.com/office/drawing/2010/main">
+        </p:spPr>
+        <p:txBody>
+          <a:bodyPr wrap="square" rtlCol="0">
+            <a:spAutoFit/>
+          </a:bodyPr>
+          <a:lstStyle/>
+          <a:p>
+            <a:endParaRPr lang="ko-KR" altLang="en-US" dirty="0"/>
+          </a:p>
+        </p:txBody>
+      </p:sp>
+      <p:sp>
+        <p:nvSpPr>
+          <p:cNvPr id="6" name="제목 1">
+            <a:extLst>
+              <a:ext uri="{FF2B5EF4-FFF2-40B4-BE49-F238E27FC236}">
+                <a16:creationId xmlns:a16="http://schemas.microsoft.com/office/drawing/2014/main" id="{8936E77E-044D-4498-BF1F-305B635E0848}"/>
+              </a:ext>
+            </a:extLst>
+          </p:cNvPr>
+          <p:cNvSpPr txBox="1">
+            <a:spLocks/>
+          </p:cNvSpPr>
+          <p:nvPr/>
+        </p:nvSpPr>
+        <p:spPr>
+          <a:xfrm>
+            <a:off x="481773" y="2090183"/>
+            <a:ext cx="9144000" cy="1338817"/>
+          </a:xfrm>
+          <a:prstGeom prst="rect">
+            <a:avLst/>
+          </a:prstGeom>
+        </p:spPr>
+        <p:txBody>
+          <a:bodyPr vert="horz" lIns="91440" tIns="45720" rIns="91440" bIns="45720" rtlCol="0" anchor="b">
+            <a:normAutofit/>
+          </a:bodyPr>
+          <a:lstStyle>
+            <a:lvl1pPr algn="ctr" defTabSz="914400" rtl="0" eaLnBrk="1" latinLnBrk="1" hangingPunct="1">
+              <a:lnSpc>
+                <a:spcPct val="90000"/>
+              </a:lnSpc>
+              <a:spcBef>
+                <a:spcPct val="0"/>
+              </a:spcBef>
+              <a:buNone/>
+              <a:defRPr sz="6000" kern="1200">
                 <a:solidFill>
-                  <a:srgbClr val="FFFFFF"/>
+                  <a:schemeClr val="tx1"/>
                 </a:solidFill>
-              </a14:hiddenFill>
-            </a:ext>
-          </a:extLst>
+                <a:latin typeface="+mj-lt"/>
+                <a:ea typeface="+mj-ea"/>
+                <a:cs typeface="+mj-cs"/>
+              </a:defRPr>
+            </a:lvl1pPr>
+          </a:lstStyle>
+          <a:p>
+            <a:pPr algn="l">
+              <a:lnSpc>
+                <a:spcPct val="70000"/>
+              </a:lnSpc>
+            </a:pPr>
+            <a:r>
+              <a:rPr lang="en-US" altLang="ko-KR" b="1" dirty="0">
+                <a:solidFill>
+                  <a:srgbClr val="002060"/>
+                </a:solidFill>
+                <a:effectLst>
+                  <a:outerShdw blurRad="38100" dist="38100" dir="2700000" algn="tl">
+                    <a:srgbClr val="000000">
+                      <a:alpha val="43137"/>
+                    </a:srgbClr>
+                  </a:outerShdw>
+                </a:effectLst>
+                <a:latin typeface="Calibri" panose="020F0502020204030204" pitchFamily="34" charset="0"/>
+                <a:cs typeface="Calibri" panose="020F0502020204030204" pitchFamily="34" charset="0"/>
+              </a:rPr>
+              <a:t>Research</a:t>
+            </a:r>
+            <a:r>
+              <a:rPr lang="ko-KR" altLang="en-US" b="1" dirty="0">
+                <a:solidFill>
+                  <a:srgbClr val="002060"/>
+                </a:solidFill>
+                <a:effectLst>
+                  <a:outerShdw blurRad="38100" dist="38100" dir="2700000" algn="tl">
+                    <a:srgbClr val="000000">
+                      <a:alpha val="43137"/>
+                    </a:srgbClr>
+                  </a:outerShdw>
+                </a:effectLst>
+                <a:latin typeface="Calibri" panose="020F0502020204030204" pitchFamily="34" charset="0"/>
+                <a:cs typeface="Calibri" panose="020F0502020204030204" pitchFamily="34" charset="0"/>
+              </a:rPr>
+              <a:t> </a:t>
+            </a:r>
+            <a:r>
+              <a:rPr lang="en-US" altLang="ko-KR" b="1" dirty="0">
+                <a:solidFill>
+                  <a:srgbClr val="002060"/>
+                </a:solidFill>
+                <a:effectLst>
+                  <a:outerShdw blurRad="38100" dist="38100" dir="2700000" algn="tl">
+                    <a:srgbClr val="000000">
+                      <a:alpha val="43137"/>
+                    </a:srgbClr>
+                  </a:outerShdw>
+                </a:effectLst>
+                <a:latin typeface="Calibri" panose="020F0502020204030204" pitchFamily="34" charset="0"/>
+                <a:cs typeface="Calibri" panose="020F0502020204030204" pitchFamily="34" charset="0"/>
+              </a:rPr>
+              <a:t>Areas</a:t>
+            </a:r>
+            <a:br>
+              <a:rPr lang="en-US" altLang="ko-KR" b="1" dirty="0">
+                <a:effectLst>
+                  <a:outerShdw blurRad="38100" dist="38100" dir="2700000" algn="tl">
+                    <a:srgbClr val="000000">
+                      <a:alpha val="43137"/>
+                    </a:srgbClr>
+                  </a:outerShdw>
+                </a:effectLst>
+                <a:latin typeface="Calibri" panose="020F0502020204030204" pitchFamily="34" charset="0"/>
+                <a:cs typeface="Calibri" panose="020F0502020204030204" pitchFamily="34" charset="0"/>
+              </a:rPr>
+            </a:br>
+            <a:r>
+              <a:rPr lang="en-US" altLang="ko-KR" sz="2200" b="1" dirty="0">
+                <a:solidFill>
+                  <a:srgbClr val="C00000"/>
+                </a:solidFill>
+                <a:effectLst>
+                  <a:outerShdw blurRad="38100" dist="38100" dir="2700000" algn="tl">
+                    <a:srgbClr val="000000">
+                      <a:alpha val="43137"/>
+                    </a:srgbClr>
+                  </a:outerShdw>
+                </a:effectLst>
+                <a:latin typeface="Calibri" panose="020F0502020204030204" pitchFamily="34" charset="0"/>
+                <a:cs typeface="Calibri" panose="020F0502020204030204" pitchFamily="34" charset="0"/>
+              </a:rPr>
+              <a:t>IMPRESS:</a:t>
+            </a:r>
+            <a:r>
+              <a:rPr lang="ko-KR" altLang="en-US" sz="2200" b="1" dirty="0">
+                <a:solidFill>
+                  <a:srgbClr val="C00000"/>
+                </a:solidFill>
+                <a:effectLst>
+                  <a:outerShdw blurRad="38100" dist="38100" dir="2700000" algn="tl">
+                    <a:srgbClr val="000000">
+                      <a:alpha val="43137"/>
+                    </a:srgbClr>
+                  </a:outerShdw>
+                </a:effectLst>
+                <a:latin typeface="Calibri" panose="020F0502020204030204" pitchFamily="34" charset="0"/>
+                <a:cs typeface="Calibri" panose="020F0502020204030204" pitchFamily="34" charset="0"/>
+              </a:rPr>
+              <a:t> </a:t>
+            </a:r>
+            <a:r>
+              <a:rPr lang="en-US" altLang="ko-KR" sz="2200" b="1" dirty="0">
+                <a:solidFill>
+                  <a:srgbClr val="C00000"/>
+                </a:solidFill>
+                <a:effectLst>
+                  <a:outerShdw blurRad="38100" dist="38100" dir="2700000" algn="tl">
+                    <a:srgbClr val="000000">
+                      <a:alpha val="43137"/>
+                    </a:srgbClr>
+                  </a:outerShdw>
+                </a:effectLst>
+                <a:latin typeface="Calibri" panose="020F0502020204030204" pitchFamily="34" charset="0"/>
+                <a:cs typeface="Calibri" panose="020F0502020204030204" pitchFamily="34" charset="0"/>
+              </a:rPr>
+              <a:t>Intelligent Multimedia PRocESSing</a:t>
+            </a:r>
+            <a:endParaRPr lang="ko-KR" altLang="en-US" sz="2200" b="1" dirty="0">
+              <a:solidFill>
+                <a:srgbClr val="C00000"/>
+              </a:solidFill>
+              <a:effectLst>
+                <a:outerShdw blurRad="38100" dist="38100" dir="2700000" algn="tl">
+                  <a:srgbClr val="000000">
+                    <a:alpha val="43137"/>
+                  </a:srgbClr>
+                </a:outerShdw>
+              </a:effectLst>
+              <a:latin typeface="Calibri" panose="020F0502020204030204" pitchFamily="34" charset="0"/>
+              <a:cs typeface="Calibri" panose="020F0502020204030204" pitchFamily="34" charset="0"/>
+            </a:endParaRPr>
+          </a:p>
+        </p:txBody>
+      </p:sp>
+      <p:sp>
+        <p:nvSpPr>
+          <p:cNvPr id="7" name="제목 1">
+            <a:extLst>
+              <a:ext uri="{FF2B5EF4-FFF2-40B4-BE49-F238E27FC236}">
+                <a16:creationId xmlns:a16="http://schemas.microsoft.com/office/drawing/2014/main" id="{4C595041-097B-42F6-A6C5-06245FD2B685}"/>
+              </a:ext>
+            </a:extLst>
+          </p:cNvPr>
+          <p:cNvSpPr txBox="1">
+            <a:spLocks/>
+          </p:cNvSpPr>
+          <p:nvPr/>
+        </p:nvSpPr>
+        <p:spPr>
+          <a:xfrm>
+            <a:off x="481773" y="3821387"/>
+            <a:ext cx="9144000" cy="1338817"/>
+          </a:xfrm>
+          <a:prstGeom prst="rect">
+            <a:avLst/>
+          </a:prstGeom>
         </p:spPr>
-      </p:pic>
+        <p:txBody>
+          <a:bodyPr vert="horz" lIns="91440" tIns="45720" rIns="91440" bIns="45720" rtlCol="0" anchor="b">
+            <a:normAutofit/>
+          </a:bodyPr>
+          <a:lstStyle>
+            <a:lvl1pPr algn="ctr" defTabSz="914400" rtl="0" eaLnBrk="1" latinLnBrk="1" hangingPunct="1">
+              <a:lnSpc>
+                <a:spcPct val="90000"/>
+              </a:lnSpc>
+              <a:spcBef>
+                <a:spcPct val="0"/>
+              </a:spcBef>
+              <a:buNone/>
+              <a:defRPr sz="6000" kern="1200">
+                <a:solidFill>
+                  <a:schemeClr val="tx1"/>
+                </a:solidFill>
+                <a:latin typeface="+mj-lt"/>
+                <a:ea typeface="+mj-ea"/>
+                <a:cs typeface="+mj-cs"/>
+              </a:defRPr>
+            </a:lvl1pPr>
+          </a:lstStyle>
+          <a:p>
+            <a:pPr algn="l">
+              <a:lnSpc>
+                <a:spcPct val="70000"/>
+              </a:lnSpc>
+            </a:pPr>
+            <a:r>
+              <a:rPr lang="en-US" altLang="ko-KR" b="1" dirty="0">
+                <a:solidFill>
+                  <a:srgbClr val="002060"/>
+                </a:solidFill>
+                <a:effectLst>
+                  <a:outerShdw blurRad="38100" dist="38100" dir="2700000" algn="tl">
+                    <a:srgbClr val="000000">
+                      <a:alpha val="43137"/>
+                    </a:srgbClr>
+                  </a:outerShdw>
+                </a:effectLst>
+                <a:latin typeface="Calibri" panose="020F0502020204030204" pitchFamily="34" charset="0"/>
+                <a:cs typeface="Calibri" panose="020F0502020204030204" pitchFamily="34" charset="0"/>
+              </a:rPr>
+              <a:t>Class</a:t>
+            </a:r>
+            <a:br>
+              <a:rPr lang="en-US" altLang="ko-KR" b="1" dirty="0">
+                <a:effectLst>
+                  <a:outerShdw blurRad="38100" dist="38100" dir="2700000" algn="tl">
+                    <a:srgbClr val="000000">
+                      <a:alpha val="43137"/>
+                    </a:srgbClr>
+                  </a:outerShdw>
+                </a:effectLst>
+                <a:latin typeface="Calibri" panose="020F0502020204030204" pitchFamily="34" charset="0"/>
+                <a:cs typeface="Calibri" panose="020F0502020204030204" pitchFamily="34" charset="0"/>
+              </a:rPr>
+            </a:br>
+            <a:r>
+              <a:rPr lang="en-US" altLang="ko-KR" sz="2200" b="1" dirty="0">
+                <a:solidFill>
+                  <a:srgbClr val="C00000"/>
+                </a:solidFill>
+                <a:effectLst>
+                  <a:outerShdw blurRad="38100" dist="38100" dir="2700000" algn="tl">
+                    <a:srgbClr val="000000">
+                      <a:alpha val="43137"/>
+                    </a:srgbClr>
+                  </a:outerShdw>
+                </a:effectLst>
+                <a:latin typeface="Calibri" panose="020F0502020204030204" pitchFamily="34" charset="0"/>
+                <a:cs typeface="Calibri" panose="020F0502020204030204" pitchFamily="34" charset="0"/>
+              </a:rPr>
+              <a:t>IMPRESS:</a:t>
+            </a:r>
+            <a:r>
+              <a:rPr lang="ko-KR" altLang="en-US" sz="2200" b="1" dirty="0">
+                <a:solidFill>
+                  <a:srgbClr val="C00000"/>
+                </a:solidFill>
+                <a:effectLst>
+                  <a:outerShdw blurRad="38100" dist="38100" dir="2700000" algn="tl">
+                    <a:srgbClr val="000000">
+                      <a:alpha val="43137"/>
+                    </a:srgbClr>
+                  </a:outerShdw>
+                </a:effectLst>
+                <a:latin typeface="Calibri" panose="020F0502020204030204" pitchFamily="34" charset="0"/>
+                <a:cs typeface="Calibri" panose="020F0502020204030204" pitchFamily="34" charset="0"/>
+              </a:rPr>
+              <a:t> </a:t>
+            </a:r>
+            <a:r>
+              <a:rPr lang="en-US" altLang="ko-KR" sz="2200" b="1" dirty="0">
+                <a:solidFill>
+                  <a:srgbClr val="C00000"/>
+                </a:solidFill>
+                <a:effectLst>
+                  <a:outerShdw blurRad="38100" dist="38100" dir="2700000" algn="tl">
+                    <a:srgbClr val="000000">
+                      <a:alpha val="43137"/>
+                    </a:srgbClr>
+                  </a:outerShdw>
+                </a:effectLst>
+                <a:latin typeface="Calibri" panose="020F0502020204030204" pitchFamily="34" charset="0"/>
+                <a:cs typeface="Calibri" panose="020F0502020204030204" pitchFamily="34" charset="0"/>
+              </a:rPr>
+              <a:t>Intelligent Multimedia PRocESSing</a:t>
+            </a:r>
+            <a:endParaRPr lang="ko-KR" altLang="en-US" sz="2200" b="1" dirty="0">
+              <a:solidFill>
+                <a:srgbClr val="C00000"/>
+              </a:solidFill>
+              <a:effectLst>
+                <a:outerShdw blurRad="38100" dist="38100" dir="2700000" algn="tl">
+                  <a:srgbClr val="000000">
+                    <a:alpha val="43137"/>
+                  </a:srgbClr>
+                </a:outerShdw>
+              </a:effectLst>
+              <a:latin typeface="Calibri" panose="020F0502020204030204" pitchFamily="34" charset="0"/>
+              <a:cs typeface="Calibri" panose="020F0502020204030204" pitchFamily="34" charset="0"/>
+            </a:endParaRPr>
+          </a:p>
+        </p:txBody>
+      </p:sp>
+      <p:sp>
+        <p:nvSpPr>
+          <p:cNvPr id="8" name="제목 1">
+            <a:extLst>
+              <a:ext uri="{FF2B5EF4-FFF2-40B4-BE49-F238E27FC236}">
+                <a16:creationId xmlns:a16="http://schemas.microsoft.com/office/drawing/2014/main" id="{ECE9F09C-EAE3-4CB8-9DA1-E9A829D18E46}"/>
+              </a:ext>
+            </a:extLst>
+          </p:cNvPr>
+          <p:cNvSpPr txBox="1">
+            <a:spLocks/>
+          </p:cNvSpPr>
+          <p:nvPr/>
+        </p:nvSpPr>
+        <p:spPr>
+          <a:xfrm>
+            <a:off x="481773" y="5353523"/>
+            <a:ext cx="9144000" cy="1338817"/>
+          </a:xfrm>
+          <a:prstGeom prst="rect">
+            <a:avLst/>
+          </a:prstGeom>
+        </p:spPr>
+        <p:txBody>
+          <a:bodyPr vert="horz" lIns="91440" tIns="45720" rIns="91440" bIns="45720" rtlCol="0" anchor="b">
+            <a:normAutofit/>
+          </a:bodyPr>
+          <a:lstStyle>
+            <a:lvl1pPr algn="ctr" defTabSz="914400" rtl="0" eaLnBrk="1" latinLnBrk="1" hangingPunct="1">
+              <a:lnSpc>
+                <a:spcPct val="90000"/>
+              </a:lnSpc>
+              <a:spcBef>
+                <a:spcPct val="0"/>
+              </a:spcBef>
+              <a:buNone/>
+              <a:defRPr sz="6000" kern="1200">
+                <a:solidFill>
+                  <a:schemeClr val="tx1"/>
+                </a:solidFill>
+                <a:latin typeface="+mj-lt"/>
+                <a:ea typeface="+mj-ea"/>
+                <a:cs typeface="+mj-cs"/>
+              </a:defRPr>
+            </a:lvl1pPr>
+          </a:lstStyle>
+          <a:p>
+            <a:pPr algn="l">
+              <a:lnSpc>
+                <a:spcPct val="70000"/>
+              </a:lnSpc>
+            </a:pPr>
+            <a:r>
+              <a:rPr lang="en-US" altLang="ko-KR" b="1" dirty="0">
+                <a:solidFill>
+                  <a:srgbClr val="002060"/>
+                </a:solidFill>
+                <a:effectLst>
+                  <a:outerShdw blurRad="38100" dist="38100" dir="2700000" algn="tl">
+                    <a:srgbClr val="000000">
+                      <a:alpha val="43137"/>
+                    </a:srgbClr>
+                  </a:outerShdw>
+                </a:effectLst>
+                <a:latin typeface="Calibri" panose="020F0502020204030204" pitchFamily="34" charset="0"/>
+                <a:cs typeface="Calibri" panose="020F0502020204030204" pitchFamily="34" charset="0"/>
+              </a:rPr>
+              <a:t>News</a:t>
+            </a:r>
+            <a:br>
+              <a:rPr lang="en-US" altLang="ko-KR" b="1" dirty="0">
+                <a:effectLst>
+                  <a:outerShdw blurRad="38100" dist="38100" dir="2700000" algn="tl">
+                    <a:srgbClr val="000000">
+                      <a:alpha val="43137"/>
+                    </a:srgbClr>
+                  </a:outerShdw>
+                </a:effectLst>
+                <a:latin typeface="Calibri" panose="020F0502020204030204" pitchFamily="34" charset="0"/>
+                <a:cs typeface="Calibri" panose="020F0502020204030204" pitchFamily="34" charset="0"/>
+              </a:rPr>
+            </a:br>
+            <a:r>
+              <a:rPr lang="en-US" altLang="ko-KR" sz="2200" b="1" dirty="0">
+                <a:solidFill>
+                  <a:srgbClr val="C00000"/>
+                </a:solidFill>
+                <a:effectLst>
+                  <a:outerShdw blurRad="38100" dist="38100" dir="2700000" algn="tl">
+                    <a:srgbClr val="000000">
+                      <a:alpha val="43137"/>
+                    </a:srgbClr>
+                  </a:outerShdw>
+                </a:effectLst>
+                <a:latin typeface="Calibri" panose="020F0502020204030204" pitchFamily="34" charset="0"/>
+                <a:cs typeface="Calibri" panose="020F0502020204030204" pitchFamily="34" charset="0"/>
+              </a:rPr>
+              <a:t>IMPRESS:</a:t>
+            </a:r>
+            <a:r>
+              <a:rPr lang="ko-KR" altLang="en-US" sz="2200" b="1" dirty="0">
+                <a:solidFill>
+                  <a:srgbClr val="C00000"/>
+                </a:solidFill>
+                <a:effectLst>
+                  <a:outerShdw blurRad="38100" dist="38100" dir="2700000" algn="tl">
+                    <a:srgbClr val="000000">
+                      <a:alpha val="43137"/>
+                    </a:srgbClr>
+                  </a:outerShdw>
+                </a:effectLst>
+                <a:latin typeface="Calibri" panose="020F0502020204030204" pitchFamily="34" charset="0"/>
+                <a:cs typeface="Calibri" panose="020F0502020204030204" pitchFamily="34" charset="0"/>
+              </a:rPr>
+              <a:t> </a:t>
+            </a:r>
+            <a:r>
+              <a:rPr lang="en-US" altLang="ko-KR" sz="2200" b="1" dirty="0">
+                <a:solidFill>
+                  <a:srgbClr val="C00000"/>
+                </a:solidFill>
+                <a:effectLst>
+                  <a:outerShdw blurRad="38100" dist="38100" dir="2700000" algn="tl">
+                    <a:srgbClr val="000000">
+                      <a:alpha val="43137"/>
+                    </a:srgbClr>
+                  </a:outerShdw>
+                </a:effectLst>
+                <a:latin typeface="Calibri" panose="020F0502020204030204" pitchFamily="34" charset="0"/>
+                <a:cs typeface="Calibri" panose="020F0502020204030204" pitchFamily="34" charset="0"/>
+              </a:rPr>
+              <a:t>Intelligent Multimedia PRocESSing</a:t>
+            </a:r>
+            <a:endParaRPr lang="ko-KR" altLang="en-US" sz="2200" b="1" dirty="0">
+              <a:solidFill>
+                <a:srgbClr val="C00000"/>
+              </a:solidFill>
+              <a:effectLst>
+                <a:outerShdw blurRad="38100" dist="38100" dir="2700000" algn="tl">
+                  <a:srgbClr val="000000">
+                    <a:alpha val="43137"/>
+                  </a:srgbClr>
+                </a:outerShdw>
+              </a:effectLst>
+              <a:latin typeface="Calibri" panose="020F0502020204030204" pitchFamily="34" charset="0"/>
+              <a:cs typeface="Calibri" panose="020F0502020204030204" pitchFamily="34" charset="0"/>
+            </a:endParaRPr>
+          </a:p>
+        </p:txBody>
+      </p:sp>
     </p:spTree>
     <p:extLst>
       <p:ext uri="{BB962C8B-B14F-4D97-AF65-F5344CB8AC3E}">
-        <p14:creationId xmlns:p14="http://schemas.microsoft.com/office/powerpoint/2010/main" val="4257707924"/>
+        <p14:creationId xmlns:p14="http://schemas.microsoft.com/office/powerpoint/2010/main" val="256530942"/>
       </p:ext>
     </p:extLst>
   </p:cSld>
